--- a/project_fcgs/static/images/teaser.pptx
+++ b/project_fcgs/static/images/teaser.pptx
@@ -3450,8 +3450,8 @@
         </p:nvSpPr>
         <p:spPr>
           <a:xfrm>
-            <a:off x="1319851" y="-398352"/>
-            <a:ext cx="5032971" cy="3086451"/>
+            <a:off x="1477743" y="-310580"/>
+            <a:ext cx="4727009" cy="2898821"/>
           </a:xfrm>
           <a:prstGeom prst="roundRect">
             <a:avLst>
@@ -3492,10 +3492,71 @@
       </p:sp>
       <p:sp>
         <p:nvSpPr>
-          <p:cNvPr id="176" name="矩形 175">
+          <p:cNvPr id="13" name="文本框 12">
             <a:extLst>
               <a:ext uri="{FF2B5EF4-FFF2-40B4-BE49-F238E27FC236}">
-                <a16:creationId xmlns:a16="http://schemas.microsoft.com/office/drawing/2014/main" id="{80C4ABFF-9998-BD82-5609-2AA9FEEF7688}"/>
+                <a16:creationId xmlns:a16="http://schemas.microsoft.com/office/drawing/2014/main" id="{C8378B61-35D0-6A12-DE7F-B7583EC2E919}"/>
+              </a:ext>
+            </a:extLst>
+          </p:cNvPr>
+          <p:cNvSpPr txBox="1"/>
+          <p:nvPr/>
+        </p:nvSpPr>
+        <p:spPr>
+          <a:xfrm>
+            <a:off x="4332119" y="1383184"/>
+            <a:ext cx="1864613" cy="923330"/>
+          </a:xfrm>
+          <a:prstGeom prst="rect">
+            <a:avLst/>
+          </a:prstGeom>
+          <a:noFill/>
+        </p:spPr>
+        <p:txBody>
+          <a:bodyPr wrap="none" rtlCol="0">
+            <a:spAutoFit/>
+          </a:bodyPr>
+          <a:lstStyle>
+            <a:defPPr>
+              <a:defRPr lang="en-US"/>
+            </a:defPPr>
+            <a:lvl1pPr algn="r">
+              <a:defRPr kumimoji="1" sz="1100" b="1">
+                <a:latin typeface="Times New Roman" panose="02020603050405020304" pitchFamily="18" charset="0"/>
+                <a:cs typeface="Times New Roman" panose="02020603050405020304" pitchFamily="18" charset="0"/>
+              </a:defRPr>
+            </a:lvl1pPr>
+          </a:lstStyle>
+          <a:p>
+            <a:pPr algn="l"/>
+            <a:r>
+              <a:rPr lang="en-US" altLang="zh-CN" sz="1800" i="1" dirty="0"/>
+              <a:t>Fast  </a:t>
+            </a:r>
+          </a:p>
+          <a:p>
+            <a:pPr algn="l"/>
+            <a:r>
+              <a:rPr lang="en-US" altLang="zh-CN" sz="1800" i="1" dirty="0"/>
+              <a:t>Hassle-free   </a:t>
+            </a:r>
+          </a:p>
+          <a:p>
+            <a:pPr algn="l"/>
+            <a:r>
+              <a:rPr lang="en-US" altLang="zh-CN" sz="1800" i="1" dirty="0"/>
+              <a:t>Optimization-free</a:t>
+            </a:r>
+            <a:endParaRPr lang="zh-CN" altLang="en-US" sz="1800" i="1" dirty="0"/>
+          </a:p>
+        </p:txBody>
+      </p:sp>
+      <p:sp>
+        <p:nvSpPr>
+          <p:cNvPr id="2" name="矩形 1">
+            <a:extLst>
+              <a:ext uri="{FF2B5EF4-FFF2-40B4-BE49-F238E27FC236}">
+                <a16:creationId xmlns:a16="http://schemas.microsoft.com/office/drawing/2014/main" id="{9212A54F-2A65-9993-5835-8B08C202064A}"/>
               </a:ext>
             </a:extLst>
           </p:cNvPr>
@@ -3504,8 +3565,8 @@
         </p:nvSpPr>
         <p:spPr>
           <a:xfrm>
-            <a:off x="5336968" y="615580"/>
-            <a:ext cx="534524" cy="463998"/>
+            <a:off x="4968726" y="336244"/>
+            <a:ext cx="455525" cy="455525"/>
           </a:xfrm>
           <a:prstGeom prst="rect">
             <a:avLst/>
@@ -3544,10 +3605,10 @@
       </p:sp>
       <p:sp>
         <p:nvSpPr>
-          <p:cNvPr id="170" name="矩形 169">
+          <p:cNvPr id="3" name="矩形 2">
             <a:extLst>
               <a:ext uri="{FF2B5EF4-FFF2-40B4-BE49-F238E27FC236}">
-                <a16:creationId xmlns:a16="http://schemas.microsoft.com/office/drawing/2014/main" id="{451E0D54-E75D-D511-69D8-6722F7B6E461}"/>
+                <a16:creationId xmlns:a16="http://schemas.microsoft.com/office/drawing/2014/main" id="{8854E800-E34D-E843-9A29-582A4B3ED3B4}"/>
               </a:ext>
             </a:extLst>
           </p:cNvPr>
@@ -3556,8 +3617,8 @@
         </p:nvSpPr>
         <p:spPr>
           <a:xfrm>
-            <a:off x="2046533" y="773198"/>
-            <a:ext cx="534524" cy="463998"/>
+            <a:off x="2187022" y="342446"/>
+            <a:ext cx="455525" cy="455525"/>
           </a:xfrm>
           <a:prstGeom prst="rect">
             <a:avLst/>
@@ -3596,10 +3657,10 @@
       </p:sp>
       <p:grpSp>
         <p:nvGrpSpPr>
-          <p:cNvPr id="52" name="组合 51">
+          <p:cNvPr id="4" name="组合 3">
             <a:extLst>
               <a:ext uri="{FF2B5EF4-FFF2-40B4-BE49-F238E27FC236}">
-                <a16:creationId xmlns:a16="http://schemas.microsoft.com/office/drawing/2014/main" id="{F015CA9E-AD49-13D1-AD1B-AAEC00A0A2B8}"/>
+                <a16:creationId xmlns:a16="http://schemas.microsoft.com/office/drawing/2014/main" id="{4C5B5295-5A1A-8288-EB3B-5BDE67A1B920}"/>
               </a:ext>
             </a:extLst>
           </p:cNvPr>
@@ -3608,18 +3669,18 @@
         </p:nvGrpSpPr>
         <p:grpSpPr>
           <a:xfrm>
-            <a:off x="1260289" y="604890"/>
-            <a:ext cx="1534378" cy="1222970"/>
+            <a:off x="1506129" y="159442"/>
+            <a:ext cx="1307607" cy="1200638"/>
             <a:chOff x="4274403" y="1488194"/>
             <a:chExt cx="1602241" cy="1471170"/>
           </a:xfrm>
         </p:grpSpPr>
         <p:pic>
           <p:nvPicPr>
-            <p:cNvPr id="53" name="图片 52" descr="桌子上的乐高积木&#10;&#10;低可信度描述已自动生成">
+            <p:cNvPr id="6" name="图片 5" descr="桌子上的乐高积木&#10;&#10;低可信度描述已自动生成">
               <a:extLst>
                 <a:ext uri="{FF2B5EF4-FFF2-40B4-BE49-F238E27FC236}">
-                  <a16:creationId xmlns:a16="http://schemas.microsoft.com/office/drawing/2014/main" id="{F79AACF0-622E-CB6A-9CAD-85495FD35005}"/>
+                  <a16:creationId xmlns:a16="http://schemas.microsoft.com/office/drawing/2014/main" id="{C281FF6C-F347-0A0C-E1E0-C6C8E6C4F497}"/>
                 </a:ext>
               </a:extLst>
             </p:cNvPr>
@@ -3645,10 +3706,10 @@
         </p:pic>
         <p:sp>
           <p:nvSpPr>
-            <p:cNvPr id="54" name="椭圆 53">
+            <p:cNvPr id="7" name="椭圆 6">
               <a:extLst>
                 <a:ext uri="{FF2B5EF4-FFF2-40B4-BE49-F238E27FC236}">
-                  <a16:creationId xmlns:a16="http://schemas.microsoft.com/office/drawing/2014/main" id="{1B17AC21-572A-8162-5635-5C811921348F}"/>
+                  <a16:creationId xmlns:a16="http://schemas.microsoft.com/office/drawing/2014/main" id="{BCA30D7C-7E4B-E89F-1A96-F1F18F2B7A4F}"/>
                 </a:ext>
               </a:extLst>
             </p:cNvPr>
@@ -3708,10 +3769,10 @@
         </p:sp>
         <p:sp>
           <p:nvSpPr>
-            <p:cNvPr id="57" name="椭圆 56">
+            <p:cNvPr id="8" name="椭圆 7">
               <a:extLst>
                 <a:ext uri="{FF2B5EF4-FFF2-40B4-BE49-F238E27FC236}">
-                  <a16:creationId xmlns:a16="http://schemas.microsoft.com/office/drawing/2014/main" id="{EDD58B93-73C8-E6EB-01EC-26B2C3438FFA}"/>
+                  <a16:creationId xmlns:a16="http://schemas.microsoft.com/office/drawing/2014/main" id="{A18D841C-139B-35B8-DC66-118B895C3F93}"/>
                 </a:ext>
               </a:extLst>
             </p:cNvPr>
@@ -3768,10 +3829,10 @@
         </p:sp>
         <p:sp>
           <p:nvSpPr>
-            <p:cNvPr id="58" name="椭圆 57">
+            <p:cNvPr id="9" name="椭圆 8">
               <a:extLst>
                 <a:ext uri="{FF2B5EF4-FFF2-40B4-BE49-F238E27FC236}">
-                  <a16:creationId xmlns:a16="http://schemas.microsoft.com/office/drawing/2014/main" id="{8ED1D9DD-ACB4-A24C-0FA2-7441A969F25E}"/>
+                  <a16:creationId xmlns:a16="http://schemas.microsoft.com/office/drawing/2014/main" id="{74FF6E70-A23C-8E77-EBAF-32982FD2EBC1}"/>
                 </a:ext>
               </a:extLst>
             </p:cNvPr>
@@ -3831,10 +3892,10 @@
         </p:sp>
         <p:sp>
           <p:nvSpPr>
-            <p:cNvPr id="59" name="椭圆 58">
+            <p:cNvPr id="11" name="椭圆 10">
               <a:extLst>
                 <a:ext uri="{FF2B5EF4-FFF2-40B4-BE49-F238E27FC236}">
-                  <a16:creationId xmlns:a16="http://schemas.microsoft.com/office/drawing/2014/main" id="{15914328-82D4-0CB5-E417-B5D1824B1A4D}"/>
+                  <a16:creationId xmlns:a16="http://schemas.microsoft.com/office/drawing/2014/main" id="{FE775723-E01E-9CAE-D22C-ED4EC18D9F45}"/>
                 </a:ext>
               </a:extLst>
             </p:cNvPr>
@@ -3894,10 +3955,10 @@
         </p:sp>
         <p:sp>
           <p:nvSpPr>
-            <p:cNvPr id="60" name="椭圆 59">
+            <p:cNvPr id="14" name="椭圆 13">
               <a:extLst>
                 <a:ext uri="{FF2B5EF4-FFF2-40B4-BE49-F238E27FC236}">
-                  <a16:creationId xmlns:a16="http://schemas.microsoft.com/office/drawing/2014/main" id="{B5DDE7F1-BB0A-86E3-F5FB-FE13715CCCE0}"/>
+                  <a16:creationId xmlns:a16="http://schemas.microsoft.com/office/drawing/2014/main" id="{723F7ECE-391F-3D82-4B25-0AA289D1FAA0}"/>
                 </a:ext>
               </a:extLst>
             </p:cNvPr>
@@ -3958,10 +4019,10 @@
       </p:grpSp>
       <p:sp>
         <p:nvSpPr>
-          <p:cNvPr id="62" name="矩形 61">
+          <p:cNvPr id="15" name="矩形 14">
             <a:extLst>
               <a:ext uri="{FF2B5EF4-FFF2-40B4-BE49-F238E27FC236}">
-                <a16:creationId xmlns:a16="http://schemas.microsoft.com/office/drawing/2014/main" id="{0DBC2DFC-C34F-A7D7-5E8E-2EFA32BF8D1F}"/>
+                <a16:creationId xmlns:a16="http://schemas.microsoft.com/office/drawing/2014/main" id="{0C8B93B7-2E23-2D20-6658-939ED71422B5}"/>
               </a:ext>
             </a:extLst>
           </p:cNvPr>
@@ -3970,8 +4031,8 @@
         </p:nvSpPr>
         <p:spPr>
           <a:xfrm>
-            <a:off x="3678329" y="1055632"/>
-            <a:ext cx="534524" cy="463998"/>
+            <a:off x="3577647" y="619721"/>
+            <a:ext cx="455525" cy="455525"/>
           </a:xfrm>
           <a:prstGeom prst="rect">
             <a:avLst/>
@@ -4010,10 +4071,10 @@
       </p:sp>
       <p:sp>
         <p:nvSpPr>
-          <p:cNvPr id="63" name="矩形 62">
+          <p:cNvPr id="16" name="矩形 15">
             <a:extLst>
               <a:ext uri="{FF2B5EF4-FFF2-40B4-BE49-F238E27FC236}">
-                <a16:creationId xmlns:a16="http://schemas.microsoft.com/office/drawing/2014/main" id="{62895742-8E1D-FBA9-69CE-B5AA7C4D2063}"/>
+                <a16:creationId xmlns:a16="http://schemas.microsoft.com/office/drawing/2014/main" id="{747DEA9A-52B3-E18C-CD21-06B0A91CC5D0}"/>
               </a:ext>
             </a:extLst>
           </p:cNvPr>
@@ -4022,8 +4083,8 @@
         </p:nvSpPr>
         <p:spPr>
           <a:xfrm>
-            <a:off x="3678329" y="265007"/>
-            <a:ext cx="534524" cy="463998"/>
+            <a:off x="3577647" y="44836"/>
+            <a:ext cx="455525" cy="455525"/>
           </a:xfrm>
           <a:prstGeom prst="rect">
             <a:avLst/>
@@ -4062,10 +4123,10 @@
       </p:sp>
       <p:sp>
         <p:nvSpPr>
-          <p:cNvPr id="64" name="矩形 63">
+          <p:cNvPr id="17" name="矩形 16">
             <a:extLst>
               <a:ext uri="{FF2B5EF4-FFF2-40B4-BE49-F238E27FC236}">
-                <a16:creationId xmlns:a16="http://schemas.microsoft.com/office/drawing/2014/main" id="{1E0224DA-2CD9-4614-44B6-E48AAEA30CBB}"/>
+                <a16:creationId xmlns:a16="http://schemas.microsoft.com/office/drawing/2014/main" id="{81E0DFA3-3C3C-3A97-398C-E03ECF68CB90}"/>
               </a:ext>
             </a:extLst>
           </p:cNvPr>
@@ -4074,8 +4135,8 @@
         </p:nvSpPr>
         <p:spPr>
           <a:xfrm>
-            <a:off x="2924589" y="586792"/>
-            <a:ext cx="534524" cy="463998"/>
+            <a:off x="2935305" y="159442"/>
+            <a:ext cx="455525" cy="455525"/>
           </a:xfrm>
           <a:prstGeom prst="rect">
             <a:avLst/>
@@ -4114,10 +4175,10 @@
       </p:sp>
       <p:sp>
         <p:nvSpPr>
-          <p:cNvPr id="66" name="矩形 65">
+          <p:cNvPr id="18" name="矩形 17">
             <a:extLst>
               <a:ext uri="{FF2B5EF4-FFF2-40B4-BE49-F238E27FC236}">
-                <a16:creationId xmlns:a16="http://schemas.microsoft.com/office/drawing/2014/main" id="{F729D7DA-D611-0207-FE4C-961DB1DE1655}"/>
+                <a16:creationId xmlns:a16="http://schemas.microsoft.com/office/drawing/2014/main" id="{A18D3915-EDD2-7CE0-886B-7AC402A1DAAF}"/>
               </a:ext>
             </a:extLst>
           </p:cNvPr>
@@ -4126,8 +4187,8 @@
         </p:nvSpPr>
         <p:spPr>
           <a:xfrm>
-            <a:off x="2990542" y="296456"/>
-            <a:ext cx="1176615" cy="421259"/>
+            <a:off x="2991510" y="75711"/>
+            <a:ext cx="1002719" cy="413567"/>
           </a:xfrm>
           <a:prstGeom prst="rect">
             <a:avLst/>
@@ -4173,10 +4234,10 @@
       </p:sp>
       <p:sp>
         <p:nvSpPr>
-          <p:cNvPr id="68" name="文本框 67">
+          <p:cNvPr id="19" name="文本框 18">
             <a:extLst>
               <a:ext uri="{FF2B5EF4-FFF2-40B4-BE49-F238E27FC236}">
-                <a16:creationId xmlns:a16="http://schemas.microsoft.com/office/drawing/2014/main" id="{12739E3D-ED17-D6AF-3123-4CC997A0C66D}"/>
+                <a16:creationId xmlns:a16="http://schemas.microsoft.com/office/drawing/2014/main" id="{797BF254-EAEF-11AA-55F6-5263D3035C9A}"/>
               </a:ext>
             </a:extLst>
           </p:cNvPr>
@@ -4185,7 +4246,7 @@
         </p:nvSpPr>
         <p:spPr>
           <a:xfrm>
-            <a:off x="4314418" y="254222"/>
+            <a:off x="4119728" y="40787"/>
             <a:ext cx="676788" cy="261610"/>
           </a:xfrm>
           <a:prstGeom prst="rect">
@@ -4215,10 +4276,10 @@
       </p:sp>
       <p:sp>
         <p:nvSpPr>
-          <p:cNvPr id="69" name="文本框 68">
+          <p:cNvPr id="20" name="文本框 19">
             <a:extLst>
               <a:ext uri="{FF2B5EF4-FFF2-40B4-BE49-F238E27FC236}">
-                <a16:creationId xmlns:a16="http://schemas.microsoft.com/office/drawing/2014/main" id="{87A115DF-90F9-746B-0561-D0963D4D6ABB}"/>
+                <a16:creationId xmlns:a16="http://schemas.microsoft.com/office/drawing/2014/main" id="{3C30C716-9B7E-8773-B7DA-336235D7A22B}"/>
               </a:ext>
             </a:extLst>
           </p:cNvPr>
@@ -4227,7 +4288,7 @@
         </p:nvSpPr>
         <p:spPr>
           <a:xfrm>
-            <a:off x="4451160" y="506153"/>
+            <a:off x="4236260" y="288118"/>
             <a:ext cx="644728" cy="261610"/>
           </a:xfrm>
           <a:prstGeom prst="rect">
@@ -4269,10 +4330,10 @@
       </p:sp>
       <p:sp>
         <p:nvSpPr>
-          <p:cNvPr id="71" name="矩形 70">
+          <p:cNvPr id="21" name="矩形 20">
             <a:extLst>
               <a:ext uri="{FF2B5EF4-FFF2-40B4-BE49-F238E27FC236}">
-                <a16:creationId xmlns:a16="http://schemas.microsoft.com/office/drawing/2014/main" id="{5F051207-491E-DAB5-E92C-957C5A8C1BCC}"/>
+                <a16:creationId xmlns:a16="http://schemas.microsoft.com/office/drawing/2014/main" id="{4915FCB0-E595-4C4E-3705-DC8E8B0B1CB7}"/>
               </a:ext>
             </a:extLst>
           </p:cNvPr>
@@ -4281,8 +4342,8 @@
         </p:nvSpPr>
         <p:spPr>
           <a:xfrm>
-            <a:off x="2995160" y="1081387"/>
-            <a:ext cx="1171996" cy="399026"/>
+            <a:off x="2995446" y="645008"/>
+            <a:ext cx="998783" cy="391740"/>
           </a:xfrm>
           <a:prstGeom prst="rect">
             <a:avLst/>
@@ -4328,10 +4389,10 @@
       </p:sp>
       <p:sp>
         <p:nvSpPr>
-          <p:cNvPr id="73" name="文本框 72">
+          <p:cNvPr id="22" name="文本框 21">
             <a:extLst>
               <a:ext uri="{FF2B5EF4-FFF2-40B4-BE49-F238E27FC236}">
-                <a16:creationId xmlns:a16="http://schemas.microsoft.com/office/drawing/2014/main" id="{55A1D113-A8D0-2F26-B33E-2466184337F5}"/>
+                <a16:creationId xmlns:a16="http://schemas.microsoft.com/office/drawing/2014/main" id="{86858894-4082-2EF4-7D6D-6345A91EE3F4}"/>
               </a:ext>
             </a:extLst>
           </p:cNvPr>
@@ -4340,7 +4401,7 @@
         </p:nvSpPr>
         <p:spPr>
           <a:xfrm>
-            <a:off x="4182587" y="1277408"/>
+            <a:off x="4007379" y="837449"/>
             <a:ext cx="904415" cy="261610"/>
           </a:xfrm>
           <a:prstGeom prst="rect">
@@ -4370,10 +4431,10 @@
       </p:sp>
       <p:sp>
         <p:nvSpPr>
-          <p:cNvPr id="74" name="文本框 73">
+          <p:cNvPr id="23" name="文本框 22">
             <a:extLst>
               <a:ext uri="{FF2B5EF4-FFF2-40B4-BE49-F238E27FC236}">
-                <a16:creationId xmlns:a16="http://schemas.microsoft.com/office/drawing/2014/main" id="{D41ACAC4-FAAC-5EE1-7626-B0C56295C722}"/>
+                <a16:creationId xmlns:a16="http://schemas.microsoft.com/office/drawing/2014/main" id="{A8F09BB6-C144-27C0-7321-25E85BA6DD28}"/>
               </a:ext>
             </a:extLst>
           </p:cNvPr>
@@ -4382,7 +4443,7 @@
         </p:nvSpPr>
         <p:spPr>
           <a:xfrm>
-            <a:off x="4451160" y="984335"/>
+            <a:off x="4236260" y="549728"/>
             <a:ext cx="638316" cy="261610"/>
           </a:xfrm>
           <a:prstGeom prst="rect">
@@ -4422,28 +4483,28 @@
       </p:sp>
       <p:cxnSp>
         <p:nvCxnSpPr>
-          <p:cNvPr id="75" name="肘形连接符 74">
+          <p:cNvPr id="24" name="肘形连接符 23">
             <a:extLst>
               <a:ext uri="{FF2B5EF4-FFF2-40B4-BE49-F238E27FC236}">
-                <a16:creationId xmlns:a16="http://schemas.microsoft.com/office/drawing/2014/main" id="{E18259F9-C40E-BC29-5ED8-88ED0E2B4ACD}"/>
+                <a16:creationId xmlns:a16="http://schemas.microsoft.com/office/drawing/2014/main" id="{06351421-5B2D-4646-75D3-556AEB6F6A2F}"/>
               </a:ext>
             </a:extLst>
           </p:cNvPr>
           <p:cNvCxnSpPr>
             <a:cxnSpLocks/>
-            <a:stCxn id="63" idx="3"/>
-            <a:endCxn id="176" idx="1"/>
+            <a:stCxn id="16" idx="3"/>
+            <a:endCxn id="2" idx="1"/>
           </p:cNvCxnSpPr>
           <p:nvPr/>
         </p:nvCxnSpPr>
         <p:spPr>
           <a:xfrm>
-            <a:off x="4212853" y="497006"/>
-            <a:ext cx="1124115" cy="350573"/>
+            <a:off x="4033172" y="272599"/>
+            <a:ext cx="935554" cy="291408"/>
           </a:xfrm>
           <a:prstGeom prst="bentConnector3">
             <a:avLst>
-              <a:gd name="adj1" fmla="val 78675"/>
+              <a:gd name="adj1" fmla="val 86286"/>
             </a:avLst>
           </a:prstGeom>
           <a:ln>
@@ -4470,28 +4531,28 @@
       </p:cxnSp>
       <p:cxnSp>
         <p:nvCxnSpPr>
-          <p:cNvPr id="76" name="肘形连接符 75">
+          <p:cNvPr id="25" name="肘形连接符 24">
             <a:extLst>
               <a:ext uri="{FF2B5EF4-FFF2-40B4-BE49-F238E27FC236}">
-                <a16:creationId xmlns:a16="http://schemas.microsoft.com/office/drawing/2014/main" id="{D6F88161-7FEE-760C-0B63-9AAA17F0B8E3}"/>
+                <a16:creationId xmlns:a16="http://schemas.microsoft.com/office/drawing/2014/main" id="{EF56CF72-6504-0E4B-EE86-E8E766F168B6}"/>
               </a:ext>
             </a:extLst>
           </p:cNvPr>
           <p:cNvCxnSpPr>
             <a:cxnSpLocks/>
-            <a:stCxn id="62" idx="3"/>
-            <a:endCxn id="176" idx="1"/>
+            <a:stCxn id="15" idx="3"/>
+            <a:endCxn id="2" idx="1"/>
           </p:cNvCxnSpPr>
           <p:nvPr/>
         </p:nvCxnSpPr>
         <p:spPr>
           <a:xfrm flipV="1">
-            <a:off x="4212853" y="847579"/>
-            <a:ext cx="1124115" cy="440052"/>
+            <a:off x="4033172" y="564007"/>
+            <a:ext cx="935554" cy="283477"/>
           </a:xfrm>
           <a:prstGeom prst="bentConnector3">
             <a:avLst>
-              <a:gd name="adj1" fmla="val 78491"/>
+              <a:gd name="adj1" fmla="val 86286"/>
             </a:avLst>
           </a:prstGeom>
           <a:ln>
@@ -4518,10 +4579,10 @@
       </p:cxnSp>
       <p:pic>
         <p:nvPicPr>
-          <p:cNvPr id="77" name="图形 76" descr="闹钟 纯色填充">
+          <p:cNvPr id="26" name="图形 25" descr="闹钟 纯色填充">
             <a:extLst>
               <a:ext uri="{FF2B5EF4-FFF2-40B4-BE49-F238E27FC236}">
-                <a16:creationId xmlns:a16="http://schemas.microsoft.com/office/drawing/2014/main" id="{E2A087CC-DFCC-57F3-059D-B6FCF2DD49F7}"/>
+                <a16:creationId xmlns:a16="http://schemas.microsoft.com/office/drawing/2014/main" id="{6D0565DE-8C47-208C-4160-AE7BA44DE4AA}"/>
               </a:ext>
             </a:extLst>
           </p:cNvPr>
@@ -4544,8 +4605,8 @@
         </p:blipFill>
         <p:spPr>
           <a:xfrm>
-            <a:off x="4248201" y="509288"/>
-            <a:ext cx="315442" cy="273822"/>
+            <a:off x="4063297" y="291196"/>
+            <a:ext cx="268822" cy="268822"/>
           </a:xfrm>
           <a:prstGeom prst="rect">
             <a:avLst/>
@@ -4554,10 +4615,10 @@
       </p:pic>
       <p:pic>
         <p:nvPicPr>
-          <p:cNvPr id="78" name="图形 77" descr="火箭 轮廓">
+          <p:cNvPr id="27" name="图形 26" descr="火箭 轮廓">
             <a:extLst>
               <a:ext uri="{FF2B5EF4-FFF2-40B4-BE49-F238E27FC236}">
-                <a16:creationId xmlns:a16="http://schemas.microsoft.com/office/drawing/2014/main" id="{85398841-A1FA-BC1D-B759-7A875F86FDAD}"/>
+                <a16:creationId xmlns:a16="http://schemas.microsoft.com/office/drawing/2014/main" id="{2C314462-7631-4589-88A0-6EA38E886BC6}"/>
               </a:ext>
             </a:extLst>
           </p:cNvPr>
@@ -4580,8 +4641,8 @@
         </p:blipFill>
         <p:spPr>
           <a:xfrm>
-            <a:off x="4248201" y="1030446"/>
-            <a:ext cx="266133" cy="231019"/>
+            <a:off x="4063297" y="594997"/>
+            <a:ext cx="226800" cy="226800"/>
           </a:xfrm>
           <a:prstGeom prst="rect">
             <a:avLst/>
@@ -4590,24 +4651,24 @@
       </p:pic>
       <p:cxnSp>
         <p:nvCxnSpPr>
-          <p:cNvPr id="79" name="肘形连接符 78">
+          <p:cNvPr id="28" name="肘形连接符 27">
             <a:extLst>
               <a:ext uri="{FF2B5EF4-FFF2-40B4-BE49-F238E27FC236}">
-                <a16:creationId xmlns:a16="http://schemas.microsoft.com/office/drawing/2014/main" id="{00B17C16-DD9B-7CD2-2EE2-F5AA193832E1}"/>
+                <a16:creationId xmlns:a16="http://schemas.microsoft.com/office/drawing/2014/main" id="{5C815FE6-B238-CB05-C473-97FE6BFE7A67}"/>
               </a:ext>
             </a:extLst>
           </p:cNvPr>
           <p:cNvCxnSpPr>
             <a:cxnSpLocks/>
-            <a:stCxn id="170" idx="3"/>
-            <a:endCxn id="66" idx="1"/>
+            <a:stCxn id="3" idx="3"/>
+            <a:endCxn id="18" idx="1"/>
           </p:cNvCxnSpPr>
           <p:nvPr/>
         </p:nvCxnSpPr>
         <p:spPr>
           <a:xfrm flipV="1">
-            <a:off x="2581057" y="507086"/>
-            <a:ext cx="409485" cy="498111"/>
+            <a:off x="2642547" y="282495"/>
+            <a:ext cx="348963" cy="287714"/>
           </a:xfrm>
           <a:prstGeom prst="bentConnector3">
             <a:avLst>
@@ -4639,24 +4700,24 @@
       </p:cxnSp>
       <p:cxnSp>
         <p:nvCxnSpPr>
-          <p:cNvPr id="82" name="肘形连接符 81">
+          <p:cNvPr id="29" name="肘形连接符 28">
             <a:extLst>
               <a:ext uri="{FF2B5EF4-FFF2-40B4-BE49-F238E27FC236}">
-                <a16:creationId xmlns:a16="http://schemas.microsoft.com/office/drawing/2014/main" id="{D30E7BE0-0CFD-62B9-7BF9-452CF6C74140}"/>
+                <a16:creationId xmlns:a16="http://schemas.microsoft.com/office/drawing/2014/main" id="{132AFF77-98A8-FAE4-0622-C0F3E890FB0A}"/>
               </a:ext>
             </a:extLst>
           </p:cNvPr>
           <p:cNvCxnSpPr>
             <a:cxnSpLocks/>
-            <a:stCxn id="170" idx="3"/>
-            <a:endCxn id="71" idx="1"/>
+            <a:stCxn id="3" idx="3"/>
+            <a:endCxn id="21" idx="1"/>
           </p:cNvCxnSpPr>
           <p:nvPr/>
         </p:nvCxnSpPr>
         <p:spPr>
           <a:xfrm>
-            <a:off x="2581060" y="1005199"/>
-            <a:ext cx="414100" cy="275703"/>
+            <a:off x="2642547" y="570209"/>
+            <a:ext cx="352899" cy="270669"/>
           </a:xfrm>
           <a:prstGeom prst="bentConnector3">
             <a:avLst>
@@ -4688,10 +4749,10 @@
       </p:cxnSp>
       <p:grpSp>
         <p:nvGrpSpPr>
-          <p:cNvPr id="87" name="组合 86">
+          <p:cNvPr id="30" name="组合 29">
             <a:extLst>
               <a:ext uri="{FF2B5EF4-FFF2-40B4-BE49-F238E27FC236}">
-                <a16:creationId xmlns:a16="http://schemas.microsoft.com/office/drawing/2014/main" id="{2DAF74BB-00FE-6A45-88B1-1B6454DD1BED}"/>
+                <a16:creationId xmlns:a16="http://schemas.microsoft.com/office/drawing/2014/main" id="{B36AB35C-7A5B-9C45-9E7E-0B62DA141A55}"/>
               </a:ext>
             </a:extLst>
           </p:cNvPr>
@@ -4700,18 +4761,18 @@
         </p:nvGrpSpPr>
         <p:grpSpPr>
           <a:xfrm>
-            <a:off x="5232077" y="248752"/>
-            <a:ext cx="1045437" cy="907501"/>
+            <a:off x="4901763" y="60998"/>
+            <a:ext cx="890928" cy="890930"/>
             <a:chOff x="4738890" y="671318"/>
             <a:chExt cx="1043313" cy="1043314"/>
           </a:xfrm>
         </p:grpSpPr>
         <p:pic>
           <p:nvPicPr>
-            <p:cNvPr id="88" name="图片 87" descr="桌子上的乐高积木&#10;&#10;低可信度描述已自动生成">
+            <p:cNvPr id="31" name="图片 30" descr="桌子上的乐高积木&#10;&#10;低可信度描述已自动生成">
               <a:extLst>
                 <a:ext uri="{FF2B5EF4-FFF2-40B4-BE49-F238E27FC236}">
-                  <a16:creationId xmlns:a16="http://schemas.microsoft.com/office/drawing/2014/main" id="{AE70AD13-FFC1-819B-3775-09344B52F13D}"/>
+                  <a16:creationId xmlns:a16="http://schemas.microsoft.com/office/drawing/2014/main" id="{E1BB5B8F-D7A6-138D-9304-CBF9866CD93D}"/>
                 </a:ext>
               </a:extLst>
             </p:cNvPr>
@@ -4738,10 +4799,10 @@
         </p:pic>
         <p:sp>
           <p:nvSpPr>
-            <p:cNvPr id="89" name="椭圆 88">
+            <p:cNvPr id="32" name="椭圆 31">
               <a:extLst>
                 <a:ext uri="{FF2B5EF4-FFF2-40B4-BE49-F238E27FC236}">
-                  <a16:creationId xmlns:a16="http://schemas.microsoft.com/office/drawing/2014/main" id="{04155842-76A5-F53B-BDEA-92954B39627A}"/>
+                  <a16:creationId xmlns:a16="http://schemas.microsoft.com/office/drawing/2014/main" id="{79079488-6706-B58A-7019-CC98463D09B6}"/>
                 </a:ext>
               </a:extLst>
             </p:cNvPr>
@@ -4801,10 +4862,10 @@
         </p:sp>
         <p:sp>
           <p:nvSpPr>
-            <p:cNvPr id="90" name="椭圆 89">
+            <p:cNvPr id="33" name="椭圆 32">
               <a:extLst>
                 <a:ext uri="{FF2B5EF4-FFF2-40B4-BE49-F238E27FC236}">
-                  <a16:creationId xmlns:a16="http://schemas.microsoft.com/office/drawing/2014/main" id="{F0AEBD95-5C43-4441-2A4B-D96BDB3DD6A5}"/>
+                  <a16:creationId xmlns:a16="http://schemas.microsoft.com/office/drawing/2014/main" id="{0576640F-429F-121A-3247-CDFB2D1FE95E}"/>
                 </a:ext>
               </a:extLst>
             </p:cNvPr>
@@ -4861,10 +4922,10 @@
         </p:sp>
         <p:sp>
           <p:nvSpPr>
-            <p:cNvPr id="91" name="椭圆 90">
+            <p:cNvPr id="34" name="椭圆 33">
               <a:extLst>
                 <a:ext uri="{FF2B5EF4-FFF2-40B4-BE49-F238E27FC236}">
-                  <a16:creationId xmlns:a16="http://schemas.microsoft.com/office/drawing/2014/main" id="{B25342B4-9600-430C-E825-69CFEBE47E42}"/>
+                  <a16:creationId xmlns:a16="http://schemas.microsoft.com/office/drawing/2014/main" id="{6C630A77-1654-B92C-2A39-26DB31513816}"/>
                 </a:ext>
               </a:extLst>
             </p:cNvPr>
@@ -4924,10 +4985,10 @@
         </p:sp>
         <p:sp>
           <p:nvSpPr>
-            <p:cNvPr id="92" name="椭圆 91">
+            <p:cNvPr id="35" name="椭圆 34">
               <a:extLst>
                 <a:ext uri="{FF2B5EF4-FFF2-40B4-BE49-F238E27FC236}">
-                  <a16:creationId xmlns:a16="http://schemas.microsoft.com/office/drawing/2014/main" id="{22002C61-BA8A-FCEC-C596-60010950BFA9}"/>
+                  <a16:creationId xmlns:a16="http://schemas.microsoft.com/office/drawing/2014/main" id="{D916B2D9-322B-E190-BB7B-FC3807F4A108}"/>
                 </a:ext>
               </a:extLst>
             </p:cNvPr>
@@ -4987,10 +5048,10 @@
         </p:sp>
         <p:sp>
           <p:nvSpPr>
-            <p:cNvPr id="93" name="椭圆 92">
+            <p:cNvPr id="36" name="椭圆 35">
               <a:extLst>
                 <a:ext uri="{FF2B5EF4-FFF2-40B4-BE49-F238E27FC236}">
-                  <a16:creationId xmlns:a16="http://schemas.microsoft.com/office/drawing/2014/main" id="{2BC2C819-79D6-94E4-F0CC-E952B261B642}"/>
+                  <a16:creationId xmlns:a16="http://schemas.microsoft.com/office/drawing/2014/main" id="{68B2FA2A-C66D-6CCC-E5DD-7519273D6039}"/>
                 </a:ext>
               </a:extLst>
             </p:cNvPr>
@@ -5051,10 +5112,10 @@
       </p:grpSp>
       <p:sp>
         <p:nvSpPr>
-          <p:cNvPr id="94" name="文本框 93">
+          <p:cNvPr id="37" name="文本框 36">
             <a:extLst>
               <a:ext uri="{FF2B5EF4-FFF2-40B4-BE49-F238E27FC236}">
-                <a16:creationId xmlns:a16="http://schemas.microsoft.com/office/drawing/2014/main" id="{2D2CD625-53E1-3D53-BB9F-866F6739E04C}"/>
+                <a16:creationId xmlns:a16="http://schemas.microsoft.com/office/drawing/2014/main" id="{5E81353C-D51C-E928-E1C9-FF52D5EC4A77}"/>
               </a:ext>
             </a:extLst>
           </p:cNvPr>
@@ -5063,7 +5124,7 @@
         </p:nvSpPr>
         <p:spPr>
           <a:xfrm>
-            <a:off x="5256139" y="1055542"/>
+            <a:off x="4922267" y="690416"/>
             <a:ext cx="862737" cy="400110"/>
           </a:xfrm>
           <a:prstGeom prst="rect">
@@ -5105,10 +5166,10 @@
       </p:sp>
       <p:sp>
         <p:nvSpPr>
-          <p:cNvPr id="157" name="文本框 156">
+          <p:cNvPr id="42" name="文本框 41">
             <a:extLst>
               <a:ext uri="{FF2B5EF4-FFF2-40B4-BE49-F238E27FC236}">
-                <a16:creationId xmlns:a16="http://schemas.microsoft.com/office/drawing/2014/main" id="{95ADFFC0-59FE-88D9-EB50-75C3BC70FA03}"/>
+                <a16:creationId xmlns:a16="http://schemas.microsoft.com/office/drawing/2014/main" id="{6C75E483-58E6-0597-9CBE-60556D8EEA81}"/>
               </a:ext>
             </a:extLst>
           </p:cNvPr>
@@ -5117,61 +5178,8 @@
         </p:nvSpPr>
         <p:spPr>
           <a:xfrm>
-            <a:off x="1644572" y="-153394"/>
-            <a:ext cx="1289135" cy="430887"/>
-          </a:xfrm>
-          <a:prstGeom prst="rect">
-            <a:avLst/>
-          </a:prstGeom>
-          <a:noFill/>
-        </p:spPr>
-        <p:txBody>
-          <a:bodyPr wrap="none" rtlCol="0">
-            <a:spAutoFit/>
-          </a:bodyPr>
-          <a:lstStyle/>
-          <a:p>
-            <a:pPr algn="r"/>
-            <a:r>
-              <a:rPr kumimoji="1" lang="en-US" altLang="zh-CN" sz="1100" b="1" dirty="0">
-                <a:latin typeface="Times New Roman" panose="02020603050405020304" pitchFamily="18" charset="0"/>
-                <a:cs typeface="Times New Roman" panose="02020603050405020304" pitchFamily="18" charset="0"/>
-              </a:rPr>
-              <a:t>Multi-view images</a:t>
-            </a:r>
-          </a:p>
-          <a:p>
-            <a:pPr algn="r"/>
-            <a:r>
-              <a:rPr kumimoji="1" lang="en-US" altLang="zh-CN" sz="1100" b="1" dirty="0">
-                <a:latin typeface="Times New Roman" panose="02020603050405020304" pitchFamily="18" charset="0"/>
-                <a:cs typeface="Times New Roman" panose="02020603050405020304" pitchFamily="18" charset="0"/>
-              </a:rPr>
-              <a:t>&amp; Views</a:t>
-            </a:r>
-            <a:endParaRPr kumimoji="1" lang="zh-CN" altLang="en-US" sz="1100" b="1" dirty="0">
-              <a:latin typeface="Times New Roman" panose="02020603050405020304" pitchFamily="18" charset="0"/>
-              <a:cs typeface="Times New Roman" panose="02020603050405020304" pitchFamily="18" charset="0"/>
-            </a:endParaRPr>
-          </a:p>
-        </p:txBody>
-      </p:sp>
-      <p:sp>
-        <p:nvSpPr>
-          <p:cNvPr id="168" name="文本框 167">
-            <a:extLst>
-              <a:ext uri="{FF2B5EF4-FFF2-40B4-BE49-F238E27FC236}">
-                <a16:creationId xmlns:a16="http://schemas.microsoft.com/office/drawing/2014/main" id="{6E8A7D01-2F9D-B488-AAFA-865D2595680B}"/>
-              </a:ext>
-            </a:extLst>
-          </p:cNvPr>
-          <p:cNvSpPr txBox="1"/>
-          <p:nvPr/>
-        </p:nvSpPr>
-        <p:spPr>
-          <a:xfrm>
-            <a:off x="3045335" y="1074158"/>
-            <a:ext cx="1108499" cy="400110"/>
+            <a:off x="3038207" y="637911"/>
+            <a:ext cx="944670" cy="400110"/>
           </a:xfrm>
           <a:prstGeom prst="rect">
             <a:avLst/>
@@ -5229,10 +5237,10 @@
       </p:sp>
       <p:sp>
         <p:nvSpPr>
-          <p:cNvPr id="169" name="文本框 168">
+          <p:cNvPr id="43" name="文本框 42">
             <a:extLst>
               <a:ext uri="{FF2B5EF4-FFF2-40B4-BE49-F238E27FC236}">
-                <a16:creationId xmlns:a16="http://schemas.microsoft.com/office/drawing/2014/main" id="{E9BE7A14-7575-228C-9238-39ACE0E83E4C}"/>
+                <a16:creationId xmlns:a16="http://schemas.microsoft.com/office/drawing/2014/main" id="{8C189A89-D429-E571-5E61-E5ABF0AE43FE}"/>
               </a:ext>
             </a:extLst>
           </p:cNvPr>
@@ -5241,8 +5249,8 @@
         </p:nvSpPr>
         <p:spPr>
           <a:xfrm>
-            <a:off x="1530162" y="1414296"/>
-            <a:ext cx="545342" cy="261610"/>
+            <a:off x="1441526" y="903472"/>
+            <a:ext cx="545341" cy="261610"/>
           </a:xfrm>
           <a:prstGeom prst="rect">
             <a:avLst/>
@@ -5273,12 +5281,65 @@
           </a:p>
         </p:txBody>
       </p:sp>
+      <p:sp>
+        <p:nvSpPr>
+          <p:cNvPr id="45" name="文本框 44">
+            <a:extLst>
+              <a:ext uri="{FF2B5EF4-FFF2-40B4-BE49-F238E27FC236}">
+                <a16:creationId xmlns:a16="http://schemas.microsoft.com/office/drawing/2014/main" id="{7FD0C299-7BAC-44BA-A0AA-C3690A0E03D1}"/>
+              </a:ext>
+            </a:extLst>
+          </p:cNvPr>
+          <p:cNvSpPr txBox="1"/>
+          <p:nvPr/>
+        </p:nvSpPr>
+        <p:spPr>
+          <a:xfrm>
+            <a:off x="1614370" y="-308525"/>
+            <a:ext cx="1289134" cy="430887"/>
+          </a:xfrm>
+          <a:prstGeom prst="rect">
+            <a:avLst/>
+          </a:prstGeom>
+          <a:noFill/>
+        </p:spPr>
+        <p:txBody>
+          <a:bodyPr wrap="none" rtlCol="0">
+            <a:spAutoFit/>
+          </a:bodyPr>
+          <a:lstStyle/>
+          <a:p>
+            <a:pPr algn="r"/>
+            <a:r>
+              <a:rPr kumimoji="1" lang="en-US" altLang="zh-CN" sz="1100" b="1" dirty="0">
+                <a:latin typeface="Times New Roman" panose="02020603050405020304" pitchFamily="18" charset="0"/>
+                <a:cs typeface="Times New Roman" panose="02020603050405020304" pitchFamily="18" charset="0"/>
+              </a:rPr>
+              <a:t>Multi-view images</a:t>
+            </a:r>
+          </a:p>
+          <a:p>
+            <a:pPr algn="r"/>
+            <a:r>
+              <a:rPr kumimoji="1" lang="en-US" altLang="zh-CN" sz="1100" b="1" dirty="0">
+                <a:latin typeface="Times New Roman" panose="02020603050405020304" pitchFamily="18" charset="0"/>
+                <a:cs typeface="Times New Roman" panose="02020603050405020304" pitchFamily="18" charset="0"/>
+              </a:rPr>
+              <a:t>&amp; Views</a:t>
+            </a:r>
+            <a:endParaRPr kumimoji="1" lang="zh-CN" altLang="en-US" sz="1100" b="1" dirty="0">
+              <a:latin typeface="Times New Roman" panose="02020603050405020304" pitchFamily="18" charset="0"/>
+              <a:cs typeface="Times New Roman" panose="02020603050405020304" pitchFamily="18" charset="0"/>
+            </a:endParaRPr>
+          </a:p>
+        </p:txBody>
+      </p:sp>
       <p:cxnSp>
         <p:nvCxnSpPr>
-          <p:cNvPr id="5" name="肘形连接符 4">
+          <p:cNvPr id="46" name="肘形连接符 45">
             <a:extLst>
               <a:ext uri="{FF2B5EF4-FFF2-40B4-BE49-F238E27FC236}">
-                <a16:creationId xmlns:a16="http://schemas.microsoft.com/office/drawing/2014/main" id="{F36DEB03-2394-4935-20B0-B8682D781474}"/>
+                <a16:creationId xmlns:a16="http://schemas.microsoft.com/office/drawing/2014/main" id="{2C3020B4-B33C-C27B-F34D-274CDA55DDB3}"/>
               </a:ext>
             </a:extLst>
           </p:cNvPr>
@@ -5289,8 +5350,8 @@
         </p:nvCxnSpPr>
         <p:spPr>
           <a:xfrm rot="16200000" flipH="1">
-            <a:off x="2413564" y="-148210"/>
-            <a:ext cx="324000" cy="828000"/>
+            <a:off x="2455427" y="-340352"/>
+            <a:ext cx="252000" cy="820165"/>
           </a:xfrm>
           <a:prstGeom prst="bentConnector2">
             <a:avLst/>
@@ -5320,10 +5381,10 @@
       </p:cxnSp>
       <p:sp>
         <p:nvSpPr>
-          <p:cNvPr id="10" name="文本框 9">
+          <p:cNvPr id="49" name="文本框 48">
             <a:extLst>
               <a:ext uri="{FF2B5EF4-FFF2-40B4-BE49-F238E27FC236}">
-                <a16:creationId xmlns:a16="http://schemas.microsoft.com/office/drawing/2014/main" id="{00FE3E4D-0B29-6907-341E-F8E5254689FF}"/>
+                <a16:creationId xmlns:a16="http://schemas.microsoft.com/office/drawing/2014/main" id="{631A7829-D2FC-A09A-93C0-FB4F5E490917}"/>
               </a:ext>
             </a:extLst>
           </p:cNvPr>
@@ -5332,8 +5393,8 @@
         </p:nvSpPr>
         <p:spPr>
           <a:xfrm>
-            <a:off x="2875761" y="326034"/>
-            <a:ext cx="1413615" cy="369332"/>
+            <a:off x="2893695" y="104751"/>
+            <a:ext cx="1204692" cy="369332"/>
           </a:xfrm>
           <a:prstGeom prst="rect">
             <a:avLst/>
@@ -5391,10 +5452,407 @@
       </p:sp>
       <p:sp>
         <p:nvSpPr>
-          <p:cNvPr id="13" name="文本框 12">
+          <p:cNvPr id="50" name="矩形 49">
             <a:extLst>
               <a:ext uri="{FF2B5EF4-FFF2-40B4-BE49-F238E27FC236}">
-                <a16:creationId xmlns:a16="http://schemas.microsoft.com/office/drawing/2014/main" id="{C8378B61-35D0-6A12-DE7F-B7583EC2E919}"/>
+                <a16:creationId xmlns:a16="http://schemas.microsoft.com/office/drawing/2014/main" id="{5B630769-C30B-2C6C-D079-EFC264930CCD}"/>
+              </a:ext>
+            </a:extLst>
+          </p:cNvPr>
+          <p:cNvSpPr/>
+          <p:nvPr/>
+        </p:nvSpPr>
+        <p:spPr>
+          <a:xfrm>
+            <a:off x="1750979" y="1436906"/>
+            <a:ext cx="152226" cy="930910"/>
+          </a:xfrm>
+          <a:prstGeom prst="rect">
+            <a:avLst/>
+          </a:prstGeom>
+          <a:solidFill>
+            <a:schemeClr val="tx2">
+              <a:lumMod val="25000"/>
+              <a:lumOff val="75000"/>
+            </a:schemeClr>
+          </a:solidFill>
+          <a:ln>
+            <a:noFill/>
+          </a:ln>
+        </p:spPr>
+        <p:style>
+          <a:lnRef idx="2">
+            <a:schemeClr val="accent1">
+              <a:shade val="15000"/>
+            </a:schemeClr>
+          </a:lnRef>
+          <a:fillRef idx="1">
+            <a:schemeClr val="accent1"/>
+          </a:fillRef>
+          <a:effectRef idx="0">
+            <a:schemeClr val="accent1"/>
+          </a:effectRef>
+          <a:fontRef idx="minor">
+            <a:schemeClr val="lt1"/>
+          </a:fontRef>
+        </p:style>
+        <p:txBody>
+          <a:bodyPr rtlCol="0" anchor="ctr"/>
+          <a:lstStyle/>
+          <a:p>
+            <a:pPr algn="ctr"/>
+            <a:endParaRPr kumimoji="1" lang="zh-CN" altLang="en-US" sz="2000">
+              <a:solidFill>
+                <a:schemeClr val="tx1"/>
+              </a:solidFill>
+            </a:endParaRPr>
+          </a:p>
+        </p:txBody>
+      </p:sp>
+      <p:sp>
+        <p:nvSpPr>
+          <p:cNvPr id="51" name="矩形 50">
+            <a:extLst>
+              <a:ext uri="{FF2B5EF4-FFF2-40B4-BE49-F238E27FC236}">
+                <a16:creationId xmlns:a16="http://schemas.microsoft.com/office/drawing/2014/main" id="{60432DAD-BB14-8D1A-4E0E-FF373DC00B0A}"/>
+              </a:ext>
+            </a:extLst>
+          </p:cNvPr>
+          <p:cNvSpPr/>
+          <p:nvPr/>
+        </p:nvSpPr>
+        <p:spPr>
+          <a:xfrm>
+            <a:off x="1903037" y="2291130"/>
+            <a:ext cx="152226" cy="76686"/>
+          </a:xfrm>
+          <a:prstGeom prst="rect">
+            <a:avLst/>
+          </a:prstGeom>
+          <a:solidFill>
+            <a:schemeClr val="accent6">
+              <a:lumMod val="40000"/>
+              <a:lumOff val="60000"/>
+            </a:schemeClr>
+          </a:solidFill>
+          <a:ln>
+            <a:noFill/>
+          </a:ln>
+        </p:spPr>
+        <p:style>
+          <a:lnRef idx="2">
+            <a:schemeClr val="accent1">
+              <a:shade val="15000"/>
+            </a:schemeClr>
+          </a:lnRef>
+          <a:fillRef idx="1">
+            <a:schemeClr val="accent1"/>
+          </a:fillRef>
+          <a:effectRef idx="0">
+            <a:schemeClr val="accent1"/>
+          </a:effectRef>
+          <a:fontRef idx="minor">
+            <a:schemeClr val="lt1"/>
+          </a:fontRef>
+        </p:style>
+        <p:txBody>
+          <a:bodyPr rtlCol="0" anchor="ctr"/>
+          <a:lstStyle/>
+          <a:p>
+            <a:pPr algn="ctr"/>
+            <a:endParaRPr kumimoji="1" lang="zh-CN" altLang="en-US">
+              <a:solidFill>
+                <a:schemeClr val="tx1"/>
+              </a:solidFill>
+            </a:endParaRPr>
+          </a:p>
+        </p:txBody>
+      </p:sp>
+      <p:sp>
+        <p:nvSpPr>
+          <p:cNvPr id="55" name="矩形 54">
+            <a:extLst>
+              <a:ext uri="{FF2B5EF4-FFF2-40B4-BE49-F238E27FC236}">
+                <a16:creationId xmlns:a16="http://schemas.microsoft.com/office/drawing/2014/main" id="{31B2B26E-353C-ED2E-EA91-48EA07C90F1F}"/>
+              </a:ext>
+            </a:extLst>
+          </p:cNvPr>
+          <p:cNvSpPr/>
+          <p:nvPr/>
+        </p:nvSpPr>
+        <p:spPr>
+          <a:xfrm>
+            <a:off x="2200625" y="1630073"/>
+            <a:ext cx="152226" cy="737743"/>
+          </a:xfrm>
+          <a:prstGeom prst="rect">
+            <a:avLst/>
+          </a:prstGeom>
+          <a:solidFill>
+            <a:schemeClr val="tx2">
+              <a:lumMod val="25000"/>
+              <a:lumOff val="75000"/>
+            </a:schemeClr>
+          </a:solidFill>
+          <a:ln>
+            <a:noFill/>
+          </a:ln>
+        </p:spPr>
+        <p:style>
+          <a:lnRef idx="2">
+            <a:schemeClr val="accent1">
+              <a:shade val="15000"/>
+            </a:schemeClr>
+          </a:lnRef>
+          <a:fillRef idx="1">
+            <a:schemeClr val="accent1"/>
+          </a:fillRef>
+          <a:effectRef idx="0">
+            <a:schemeClr val="accent1"/>
+          </a:effectRef>
+          <a:fontRef idx="minor">
+            <a:schemeClr val="lt1"/>
+          </a:fontRef>
+        </p:style>
+        <p:txBody>
+          <a:bodyPr rtlCol="0" anchor="ctr"/>
+          <a:lstStyle/>
+          <a:p>
+            <a:pPr algn="ctr"/>
+            <a:endParaRPr kumimoji="1" lang="zh-CN" altLang="en-US" sz="2000">
+              <a:solidFill>
+                <a:schemeClr val="tx1"/>
+              </a:solidFill>
+            </a:endParaRPr>
+          </a:p>
+        </p:txBody>
+      </p:sp>
+      <p:sp>
+        <p:nvSpPr>
+          <p:cNvPr id="56" name="矩形 55">
+            <a:extLst>
+              <a:ext uri="{FF2B5EF4-FFF2-40B4-BE49-F238E27FC236}">
+                <a16:creationId xmlns:a16="http://schemas.microsoft.com/office/drawing/2014/main" id="{1F73B8FD-CC11-2F7D-C7A7-85A61A375501}"/>
+              </a:ext>
+            </a:extLst>
+          </p:cNvPr>
+          <p:cNvSpPr/>
+          <p:nvPr/>
+        </p:nvSpPr>
+        <p:spPr>
+          <a:xfrm>
+            <a:off x="2364759" y="1436905"/>
+            <a:ext cx="152226" cy="930911"/>
+          </a:xfrm>
+          <a:prstGeom prst="rect">
+            <a:avLst/>
+          </a:prstGeom>
+          <a:solidFill>
+            <a:schemeClr val="accent6">
+              <a:lumMod val="40000"/>
+              <a:lumOff val="60000"/>
+            </a:schemeClr>
+          </a:solidFill>
+          <a:ln>
+            <a:noFill/>
+          </a:ln>
+        </p:spPr>
+        <p:style>
+          <a:lnRef idx="2">
+            <a:schemeClr val="accent1">
+              <a:shade val="15000"/>
+            </a:schemeClr>
+          </a:lnRef>
+          <a:fillRef idx="1">
+            <a:schemeClr val="accent1"/>
+          </a:fillRef>
+          <a:effectRef idx="0">
+            <a:schemeClr val="accent1"/>
+          </a:effectRef>
+          <a:fontRef idx="minor">
+            <a:schemeClr val="lt1"/>
+          </a:fontRef>
+        </p:style>
+        <p:txBody>
+          <a:bodyPr rtlCol="0" anchor="ctr"/>
+          <a:lstStyle/>
+          <a:p>
+            <a:pPr algn="ctr"/>
+            <a:endParaRPr kumimoji="1" lang="zh-CN" altLang="en-US" sz="2000">
+              <a:solidFill>
+                <a:schemeClr val="tx1"/>
+              </a:solidFill>
+            </a:endParaRPr>
+          </a:p>
+        </p:txBody>
+      </p:sp>
+      <p:sp>
+        <p:nvSpPr>
+          <p:cNvPr id="61" name="矩形 60">
+            <a:extLst>
+              <a:ext uri="{FF2B5EF4-FFF2-40B4-BE49-F238E27FC236}">
+                <a16:creationId xmlns:a16="http://schemas.microsoft.com/office/drawing/2014/main" id="{8D4A039B-6AA4-3881-1BF8-08D0DDDF3C27}"/>
+              </a:ext>
+            </a:extLst>
+          </p:cNvPr>
+          <p:cNvSpPr/>
+          <p:nvPr/>
+        </p:nvSpPr>
+        <p:spPr>
+          <a:xfrm>
+            <a:off x="2664921" y="1436903"/>
+            <a:ext cx="152226" cy="930911"/>
+          </a:xfrm>
+          <a:prstGeom prst="rect">
+            <a:avLst/>
+          </a:prstGeom>
+          <a:solidFill>
+            <a:schemeClr val="tx2">
+              <a:lumMod val="25000"/>
+              <a:lumOff val="75000"/>
+            </a:schemeClr>
+          </a:solidFill>
+          <a:ln>
+            <a:noFill/>
+          </a:ln>
+        </p:spPr>
+        <p:style>
+          <a:lnRef idx="2">
+            <a:schemeClr val="accent1">
+              <a:shade val="15000"/>
+            </a:schemeClr>
+          </a:lnRef>
+          <a:fillRef idx="1">
+            <a:schemeClr val="accent1"/>
+          </a:fillRef>
+          <a:effectRef idx="0">
+            <a:schemeClr val="accent1"/>
+          </a:effectRef>
+          <a:fontRef idx="minor">
+            <a:schemeClr val="lt1"/>
+          </a:fontRef>
+        </p:style>
+        <p:txBody>
+          <a:bodyPr rtlCol="0" anchor="ctr"/>
+          <a:lstStyle/>
+          <a:p>
+            <a:pPr algn="ctr"/>
+            <a:endParaRPr kumimoji="1" lang="zh-CN" altLang="en-US" sz="2000">
+              <a:solidFill>
+                <a:schemeClr val="tx1"/>
+              </a:solidFill>
+            </a:endParaRPr>
+          </a:p>
+        </p:txBody>
+      </p:sp>
+      <p:sp>
+        <p:nvSpPr>
+          <p:cNvPr id="65" name="矩形 64">
+            <a:extLst>
+              <a:ext uri="{FF2B5EF4-FFF2-40B4-BE49-F238E27FC236}">
+                <a16:creationId xmlns:a16="http://schemas.microsoft.com/office/drawing/2014/main" id="{B6BEB253-FA88-6261-2217-E2A0BE927E24}"/>
+              </a:ext>
+            </a:extLst>
+          </p:cNvPr>
+          <p:cNvSpPr/>
+          <p:nvPr/>
+        </p:nvSpPr>
+        <p:spPr>
+          <a:xfrm>
+            <a:off x="2831254" y="1731436"/>
+            <a:ext cx="152226" cy="636379"/>
+          </a:xfrm>
+          <a:prstGeom prst="rect">
+            <a:avLst/>
+          </a:prstGeom>
+          <a:solidFill>
+            <a:schemeClr val="accent6">
+              <a:lumMod val="40000"/>
+              <a:lumOff val="60000"/>
+            </a:schemeClr>
+          </a:solidFill>
+          <a:ln>
+            <a:noFill/>
+          </a:ln>
+        </p:spPr>
+        <p:style>
+          <a:lnRef idx="2">
+            <a:schemeClr val="accent1">
+              <a:shade val="15000"/>
+            </a:schemeClr>
+          </a:lnRef>
+          <a:fillRef idx="1">
+            <a:schemeClr val="accent1"/>
+          </a:fillRef>
+          <a:effectRef idx="0">
+            <a:schemeClr val="accent1"/>
+          </a:effectRef>
+          <a:fontRef idx="minor">
+            <a:schemeClr val="lt1"/>
+          </a:fontRef>
+        </p:style>
+        <p:txBody>
+          <a:bodyPr rtlCol="0" anchor="ctr"/>
+          <a:lstStyle/>
+          <a:p>
+            <a:pPr algn="ctr"/>
+            <a:endParaRPr kumimoji="1" lang="zh-CN" altLang="en-US" sz="2000">
+              <a:solidFill>
+                <a:schemeClr val="tx1"/>
+              </a:solidFill>
+            </a:endParaRPr>
+          </a:p>
+        </p:txBody>
+      </p:sp>
+      <p:cxnSp>
+        <p:nvCxnSpPr>
+          <p:cNvPr id="67" name="直线连接符 66">
+            <a:extLst>
+              <a:ext uri="{FF2B5EF4-FFF2-40B4-BE49-F238E27FC236}">
+                <a16:creationId xmlns:a16="http://schemas.microsoft.com/office/drawing/2014/main" id="{0BE3B93A-7ED5-5A4F-82D2-6006BD92470C}"/>
+              </a:ext>
+            </a:extLst>
+          </p:cNvPr>
+          <p:cNvCxnSpPr>
+            <a:cxnSpLocks/>
+          </p:cNvCxnSpPr>
+          <p:nvPr/>
+        </p:nvCxnSpPr>
+        <p:spPr>
+          <a:xfrm>
+            <a:off x="1618275" y="2375439"/>
+            <a:ext cx="1558107" cy="0"/>
+          </a:xfrm>
+          <a:prstGeom prst="line">
+            <a:avLst/>
+          </a:prstGeom>
+          <a:ln>
+            <a:solidFill>
+              <a:schemeClr val="tx1"/>
+            </a:solidFill>
+          </a:ln>
+        </p:spPr>
+        <p:style>
+          <a:lnRef idx="2">
+            <a:schemeClr val="accent1"/>
+          </a:lnRef>
+          <a:fillRef idx="0">
+            <a:schemeClr val="accent1"/>
+          </a:fillRef>
+          <a:effectRef idx="1">
+            <a:schemeClr val="accent1"/>
+          </a:effectRef>
+          <a:fontRef idx="minor">
+            <a:schemeClr val="tx1"/>
+          </a:fontRef>
+        </p:style>
+      </p:cxnSp>
+      <p:sp>
+        <p:nvSpPr>
+          <p:cNvPr id="70" name="文本框 69">
+            <a:extLst>
+              <a:ext uri="{FF2B5EF4-FFF2-40B4-BE49-F238E27FC236}">
+                <a16:creationId xmlns:a16="http://schemas.microsoft.com/office/drawing/2014/main" id="{310EF457-F47E-0F64-6BB6-0445AA41E44F}"/>
               </a:ext>
             </a:extLst>
           </p:cNvPr>
@@ -5403,8 +5861,8 @@
         </p:nvSpPr>
         <p:spPr>
           <a:xfrm>
-            <a:off x="1795339" y="1759388"/>
-            <a:ext cx="4121641" cy="400110"/>
+            <a:off x="1571885" y="2344191"/>
+            <a:ext cx="579006" cy="230832"/>
           </a:xfrm>
           <a:prstGeom prst="rect">
             <a:avLst/>
@@ -5427,12 +5885,590 @@
             </a:lvl1pPr>
           </a:lstStyle>
           <a:p>
+            <a:r>
+              <a:rPr lang="en-US" altLang="zh-CN" sz="900" b="0" dirty="0"/>
+              <a:t>Time (s)</a:t>
+            </a:r>
+            <a:endParaRPr lang="zh-CN" altLang="en-US" sz="900" b="0" dirty="0"/>
+          </a:p>
+        </p:txBody>
+      </p:sp>
+      <p:sp>
+        <p:nvSpPr>
+          <p:cNvPr id="72" name="文本框 71">
+            <a:extLst>
+              <a:ext uri="{FF2B5EF4-FFF2-40B4-BE49-F238E27FC236}">
+                <a16:creationId xmlns:a16="http://schemas.microsoft.com/office/drawing/2014/main" id="{7A83AA45-3B25-7F63-85C8-D1303E91F54A}"/>
+              </a:ext>
+            </a:extLst>
+          </p:cNvPr>
+          <p:cNvSpPr txBox="1"/>
+          <p:nvPr/>
+        </p:nvSpPr>
+        <p:spPr>
+          <a:xfrm>
+            <a:off x="1981940" y="2344191"/>
+            <a:ext cx="713658" cy="230832"/>
+          </a:xfrm>
+          <a:prstGeom prst="rect">
+            <a:avLst/>
+          </a:prstGeom>
+          <a:noFill/>
+        </p:spPr>
+        <p:txBody>
+          <a:bodyPr wrap="none" rtlCol="0">
+            <a:spAutoFit/>
+          </a:bodyPr>
+          <a:lstStyle>
+            <a:defPPr>
+              <a:defRPr lang="en-US"/>
+            </a:defPPr>
+            <a:lvl1pPr algn="r">
+              <a:defRPr kumimoji="1" sz="1100" b="1">
+                <a:latin typeface="Times New Roman" panose="02020603050405020304" pitchFamily="18" charset="0"/>
+                <a:cs typeface="Times New Roman" panose="02020603050405020304" pitchFamily="18" charset="0"/>
+              </a:defRPr>
+            </a:lvl1pPr>
+          </a:lstStyle>
+          <a:p>
+            <a:r>
+              <a:rPr lang="en-US" altLang="zh-CN" sz="900" b="0" dirty="0"/>
+              <a:t>PSNR (dB)</a:t>
+            </a:r>
+            <a:endParaRPr lang="zh-CN" altLang="en-US" sz="900" b="0" dirty="0"/>
+          </a:p>
+        </p:txBody>
+      </p:sp>
+      <p:sp>
+        <p:nvSpPr>
+          <p:cNvPr id="80" name="文本框 79">
+            <a:extLst>
+              <a:ext uri="{FF2B5EF4-FFF2-40B4-BE49-F238E27FC236}">
+                <a16:creationId xmlns:a16="http://schemas.microsoft.com/office/drawing/2014/main" id="{C4CAD580-B484-0A78-9F27-0C5C3FACF7B8}"/>
+              </a:ext>
+            </a:extLst>
+          </p:cNvPr>
+          <p:cNvSpPr txBox="1"/>
+          <p:nvPr/>
+        </p:nvSpPr>
+        <p:spPr>
+          <a:xfrm>
+            <a:off x="2529478" y="2344191"/>
+            <a:ext cx="668774" cy="230832"/>
+          </a:xfrm>
+          <a:prstGeom prst="rect">
+            <a:avLst/>
+          </a:prstGeom>
+          <a:noFill/>
+        </p:spPr>
+        <p:txBody>
+          <a:bodyPr wrap="none" rtlCol="0">
+            <a:spAutoFit/>
+          </a:bodyPr>
+          <a:lstStyle>
+            <a:defPPr>
+              <a:defRPr lang="en-US"/>
+            </a:defPPr>
+            <a:lvl1pPr algn="r">
+              <a:defRPr kumimoji="1" sz="1100" b="1">
+                <a:latin typeface="Times New Roman" panose="02020603050405020304" pitchFamily="18" charset="0"/>
+                <a:cs typeface="Times New Roman" panose="02020603050405020304" pitchFamily="18" charset="0"/>
+              </a:defRPr>
+            </a:lvl1pPr>
+          </a:lstStyle>
+          <a:p>
+            <a:r>
+              <a:rPr lang="en-US" altLang="zh-CN" sz="900" b="0" dirty="0"/>
+              <a:t>Size (MB)</a:t>
+            </a:r>
+            <a:endParaRPr lang="zh-CN" altLang="en-US" sz="900" b="0" dirty="0"/>
+          </a:p>
+        </p:txBody>
+      </p:sp>
+      <p:sp>
+        <p:nvSpPr>
+          <p:cNvPr id="81" name="文本框 80">
+            <a:extLst>
+              <a:ext uri="{FF2B5EF4-FFF2-40B4-BE49-F238E27FC236}">
+                <a16:creationId xmlns:a16="http://schemas.microsoft.com/office/drawing/2014/main" id="{E11AA6FA-200A-85FE-A57F-907CE30C6AAE}"/>
+              </a:ext>
+            </a:extLst>
+          </p:cNvPr>
+          <p:cNvSpPr txBox="1"/>
+          <p:nvPr/>
+        </p:nvSpPr>
+        <p:spPr>
+          <a:xfrm>
+            <a:off x="1627588" y="1229923"/>
+            <a:ext cx="377026" cy="246221"/>
+          </a:xfrm>
+          <a:prstGeom prst="rect">
+            <a:avLst/>
+          </a:prstGeom>
+          <a:noFill/>
+        </p:spPr>
+        <p:txBody>
+          <a:bodyPr wrap="none" rtlCol="0">
+            <a:spAutoFit/>
+          </a:bodyPr>
+          <a:lstStyle>
+            <a:defPPr>
+              <a:defRPr lang="en-US"/>
+            </a:defPPr>
+            <a:lvl1pPr algn="r">
+              <a:defRPr kumimoji="1" sz="1100" b="1">
+                <a:latin typeface="Times New Roman" panose="02020603050405020304" pitchFamily="18" charset="0"/>
+                <a:cs typeface="Times New Roman" panose="02020603050405020304" pitchFamily="18" charset="0"/>
+              </a:defRPr>
+            </a:lvl1pPr>
+          </a:lstStyle>
+          <a:p>
+            <a:r>
+              <a:rPr lang="en-US" altLang="zh-CN" sz="1000" b="0" dirty="0"/>
+              <a:t>227</a:t>
+            </a:r>
+            <a:endParaRPr lang="zh-CN" altLang="en-US" sz="1000" b="0" i="1" dirty="0"/>
+          </a:p>
+        </p:txBody>
+      </p:sp>
+      <p:sp>
+        <p:nvSpPr>
+          <p:cNvPr id="83" name="文本框 82">
+            <a:extLst>
+              <a:ext uri="{FF2B5EF4-FFF2-40B4-BE49-F238E27FC236}">
+                <a16:creationId xmlns:a16="http://schemas.microsoft.com/office/drawing/2014/main" id="{FC00A054-08FB-7D57-A919-E16B8E40931E}"/>
+              </a:ext>
+            </a:extLst>
+          </p:cNvPr>
+          <p:cNvSpPr txBox="1"/>
+          <p:nvPr/>
+        </p:nvSpPr>
+        <p:spPr>
+          <a:xfrm>
+            <a:off x="1813241" y="2103249"/>
+            <a:ext cx="312907" cy="246221"/>
+          </a:xfrm>
+          <a:prstGeom prst="rect">
+            <a:avLst/>
+          </a:prstGeom>
+          <a:noFill/>
+        </p:spPr>
+        <p:txBody>
+          <a:bodyPr wrap="none" rtlCol="0">
+            <a:spAutoFit/>
+          </a:bodyPr>
+          <a:lstStyle>
+            <a:defPPr>
+              <a:defRPr lang="en-US"/>
+            </a:defPPr>
+            <a:lvl1pPr algn="r">
+              <a:defRPr kumimoji="1" sz="1100" b="1">
+                <a:latin typeface="Times New Roman" panose="02020603050405020304" pitchFamily="18" charset="0"/>
+                <a:cs typeface="Times New Roman" panose="02020603050405020304" pitchFamily="18" charset="0"/>
+              </a:defRPr>
+            </a:lvl1pPr>
+          </a:lstStyle>
+          <a:p>
+            <a:r>
+              <a:rPr lang="en-US" altLang="zh-CN" sz="1000" b="0" dirty="0"/>
+              <a:t>18</a:t>
+            </a:r>
+            <a:endParaRPr lang="zh-CN" altLang="en-US" sz="1000" b="0" i="1" dirty="0"/>
+          </a:p>
+        </p:txBody>
+      </p:sp>
+      <p:sp>
+        <p:nvSpPr>
+          <p:cNvPr id="84" name="文本框 83">
+            <a:extLst>
+              <a:ext uri="{FF2B5EF4-FFF2-40B4-BE49-F238E27FC236}">
+                <a16:creationId xmlns:a16="http://schemas.microsoft.com/office/drawing/2014/main" id="{CC42FD28-B06B-AF1D-C227-664B6152EAC0}"/>
+              </a:ext>
+            </a:extLst>
+          </p:cNvPr>
+          <p:cNvSpPr txBox="1"/>
+          <p:nvPr/>
+        </p:nvSpPr>
+        <p:spPr>
+          <a:xfrm>
+            <a:off x="2029752" y="1419918"/>
+            <a:ext cx="409086" cy="246221"/>
+          </a:xfrm>
+          <a:prstGeom prst="rect">
+            <a:avLst/>
+          </a:prstGeom>
+          <a:noFill/>
+        </p:spPr>
+        <p:txBody>
+          <a:bodyPr wrap="none" rtlCol="0">
+            <a:spAutoFit/>
+          </a:bodyPr>
+          <a:lstStyle>
+            <a:defPPr>
+              <a:defRPr lang="en-US"/>
+            </a:defPPr>
+            <a:lvl1pPr algn="r">
+              <a:defRPr kumimoji="1" sz="1100" b="1">
+                <a:latin typeface="Times New Roman" panose="02020603050405020304" pitchFamily="18" charset="0"/>
+                <a:cs typeface="Times New Roman" panose="02020603050405020304" pitchFamily="18" charset="0"/>
+              </a:defRPr>
+            </a:lvl1pPr>
+          </a:lstStyle>
+          <a:p>
+            <a:r>
+              <a:rPr lang="en-US" altLang="zh-CN" sz="1000" b="0" dirty="0"/>
+              <a:t>28.9</a:t>
+            </a:r>
+            <a:endParaRPr lang="zh-CN" altLang="en-US" sz="1000" b="0" i="1" dirty="0"/>
+          </a:p>
+        </p:txBody>
+      </p:sp>
+      <p:sp>
+        <p:nvSpPr>
+          <p:cNvPr id="85" name="文本框 84">
+            <a:extLst>
+              <a:ext uri="{FF2B5EF4-FFF2-40B4-BE49-F238E27FC236}">
+                <a16:creationId xmlns:a16="http://schemas.microsoft.com/office/drawing/2014/main" id="{2752AD6B-A7E8-DBE2-AECF-ACF6B22E2D4A}"/>
+              </a:ext>
+            </a:extLst>
+          </p:cNvPr>
+          <p:cNvSpPr txBox="1"/>
+          <p:nvPr/>
+        </p:nvSpPr>
+        <p:spPr>
+          <a:xfrm>
+            <a:off x="2213074" y="1229923"/>
+            <a:ext cx="409086" cy="246221"/>
+          </a:xfrm>
+          <a:prstGeom prst="rect">
+            <a:avLst/>
+          </a:prstGeom>
+          <a:noFill/>
+        </p:spPr>
+        <p:txBody>
+          <a:bodyPr wrap="none" rtlCol="0">
+            <a:spAutoFit/>
+          </a:bodyPr>
+          <a:lstStyle>
+            <a:defPPr>
+              <a:defRPr lang="en-US"/>
+            </a:defPPr>
+            <a:lvl1pPr algn="r">
+              <a:defRPr kumimoji="1" sz="1100" b="1">
+                <a:latin typeface="Times New Roman" panose="02020603050405020304" pitchFamily="18" charset="0"/>
+                <a:cs typeface="Times New Roman" panose="02020603050405020304" pitchFamily="18" charset="0"/>
+              </a:defRPr>
+            </a:lvl1pPr>
+          </a:lstStyle>
+          <a:p>
+            <a:r>
+              <a:rPr lang="en-US" altLang="zh-CN" sz="1000" b="0" dirty="0"/>
+              <a:t>29.2</a:t>
+            </a:r>
+            <a:endParaRPr lang="zh-CN" altLang="en-US" sz="1000" b="0" i="1" dirty="0"/>
+          </a:p>
+        </p:txBody>
+      </p:sp>
+      <p:sp>
+        <p:nvSpPr>
+          <p:cNvPr id="86" name="文本框 85">
+            <a:extLst>
+              <a:ext uri="{FF2B5EF4-FFF2-40B4-BE49-F238E27FC236}">
+                <a16:creationId xmlns:a16="http://schemas.microsoft.com/office/drawing/2014/main" id="{6781BEEE-CCA6-729D-923C-22697CED88EC}"/>
+              </a:ext>
+            </a:extLst>
+          </p:cNvPr>
+          <p:cNvSpPr txBox="1"/>
+          <p:nvPr/>
+        </p:nvSpPr>
+        <p:spPr>
+          <a:xfrm>
+            <a:off x="2504812" y="1229923"/>
+            <a:ext cx="409086" cy="246221"/>
+          </a:xfrm>
+          <a:prstGeom prst="rect">
+            <a:avLst/>
+          </a:prstGeom>
+          <a:noFill/>
+        </p:spPr>
+        <p:txBody>
+          <a:bodyPr wrap="none" rtlCol="0">
+            <a:spAutoFit/>
+          </a:bodyPr>
+          <a:lstStyle>
+            <a:defPPr>
+              <a:defRPr lang="en-US"/>
+            </a:defPPr>
+            <a:lvl1pPr algn="r">
+              <a:defRPr kumimoji="1" sz="1100" b="1">
+                <a:latin typeface="Times New Roman" panose="02020603050405020304" pitchFamily="18" charset="0"/>
+                <a:cs typeface="Times New Roman" panose="02020603050405020304" pitchFamily="18" charset="0"/>
+              </a:defRPr>
+            </a:lvl1pPr>
+          </a:lstStyle>
+          <a:p>
+            <a:r>
+              <a:rPr lang="en-US" altLang="zh-CN" sz="1000" b="0" dirty="0"/>
+              <a:t>24.6</a:t>
+            </a:r>
+            <a:endParaRPr lang="zh-CN" altLang="en-US" sz="1000" b="0" i="1" dirty="0"/>
+          </a:p>
+        </p:txBody>
+      </p:sp>
+      <p:sp>
+        <p:nvSpPr>
+          <p:cNvPr id="95" name="文本框 94">
+            <a:extLst>
+              <a:ext uri="{FF2B5EF4-FFF2-40B4-BE49-F238E27FC236}">
+                <a16:creationId xmlns:a16="http://schemas.microsoft.com/office/drawing/2014/main" id="{D2F4B005-037F-B451-AD57-7E30F8742CA2}"/>
+              </a:ext>
+            </a:extLst>
+          </p:cNvPr>
+          <p:cNvSpPr txBox="1"/>
+          <p:nvPr/>
+        </p:nvSpPr>
+        <p:spPr>
+          <a:xfrm>
+            <a:off x="2713816" y="1514657"/>
+            <a:ext cx="409086" cy="246221"/>
+          </a:xfrm>
+          <a:prstGeom prst="rect">
+            <a:avLst/>
+          </a:prstGeom>
+          <a:noFill/>
+        </p:spPr>
+        <p:txBody>
+          <a:bodyPr wrap="none" rtlCol="0">
+            <a:spAutoFit/>
+          </a:bodyPr>
+          <a:lstStyle>
+            <a:defPPr>
+              <a:defRPr lang="en-US"/>
+            </a:defPPr>
+            <a:lvl1pPr algn="r">
+              <a:defRPr kumimoji="1" sz="1100" b="1">
+                <a:latin typeface="Times New Roman" panose="02020603050405020304" pitchFamily="18" charset="0"/>
+                <a:cs typeface="Times New Roman" panose="02020603050405020304" pitchFamily="18" charset="0"/>
+              </a:defRPr>
+            </a:lvl1pPr>
+          </a:lstStyle>
+          <a:p>
+            <a:r>
+              <a:rPr lang="en-US" altLang="zh-CN" sz="1000" b="0" dirty="0"/>
+              <a:t>21.1</a:t>
+            </a:r>
+            <a:endParaRPr lang="zh-CN" altLang="en-US" sz="1000" b="0" i="1" dirty="0"/>
+          </a:p>
+        </p:txBody>
+      </p:sp>
+      <p:sp>
+        <p:nvSpPr>
+          <p:cNvPr id="96" name="矩形 95">
+            <a:extLst>
+              <a:ext uri="{FF2B5EF4-FFF2-40B4-BE49-F238E27FC236}">
+                <a16:creationId xmlns:a16="http://schemas.microsoft.com/office/drawing/2014/main" id="{9DAFE3AA-FC7E-DF82-7B6D-924F80B28702}"/>
+              </a:ext>
+            </a:extLst>
+          </p:cNvPr>
+          <p:cNvSpPr/>
+          <p:nvPr/>
+        </p:nvSpPr>
+        <p:spPr>
+          <a:xfrm>
+            <a:off x="3303694" y="1963711"/>
+            <a:ext cx="144000" cy="144000"/>
+          </a:xfrm>
+          <a:prstGeom prst="rect">
+            <a:avLst/>
+          </a:prstGeom>
+          <a:solidFill>
+            <a:schemeClr val="tx2">
+              <a:lumMod val="25000"/>
+              <a:lumOff val="75000"/>
+            </a:schemeClr>
+          </a:solidFill>
+          <a:ln>
+            <a:noFill/>
+          </a:ln>
+        </p:spPr>
+        <p:style>
+          <a:lnRef idx="2">
+            <a:schemeClr val="accent1">
+              <a:shade val="15000"/>
+            </a:schemeClr>
+          </a:lnRef>
+          <a:fillRef idx="1">
+            <a:schemeClr val="accent1"/>
+          </a:fillRef>
+          <a:effectRef idx="0">
+            <a:schemeClr val="accent1"/>
+          </a:effectRef>
+          <a:fontRef idx="minor">
+            <a:schemeClr val="lt1"/>
+          </a:fontRef>
+        </p:style>
+        <p:txBody>
+          <a:bodyPr rtlCol="0" anchor="ctr"/>
+          <a:lstStyle/>
+          <a:p>
             <a:pPr algn="ctr"/>
-            <a:r>
-              <a:rPr lang="en-US" altLang="zh-CN" sz="2000" i="1" dirty="0"/>
-              <a:t>Fast   Hassle-free   Optimization-free</a:t>
-            </a:r>
-            <a:endParaRPr lang="zh-CN" altLang="en-US" sz="2000" i="1" dirty="0"/>
+            <a:endParaRPr kumimoji="1" lang="zh-CN" altLang="en-US" sz="2000">
+              <a:solidFill>
+                <a:schemeClr val="tx1"/>
+              </a:solidFill>
+            </a:endParaRPr>
+          </a:p>
+        </p:txBody>
+      </p:sp>
+      <p:sp>
+        <p:nvSpPr>
+          <p:cNvPr id="97" name="矩形 96">
+            <a:extLst>
+              <a:ext uri="{FF2B5EF4-FFF2-40B4-BE49-F238E27FC236}">
+                <a16:creationId xmlns:a16="http://schemas.microsoft.com/office/drawing/2014/main" id="{093C5060-B4E1-54DB-8FD9-4C361E034FAC}"/>
+              </a:ext>
+            </a:extLst>
+          </p:cNvPr>
+          <p:cNvSpPr/>
+          <p:nvPr/>
+        </p:nvSpPr>
+        <p:spPr>
+          <a:xfrm>
+            <a:off x="3303697" y="1722639"/>
+            <a:ext cx="144000" cy="144000"/>
+          </a:xfrm>
+          <a:prstGeom prst="rect">
+            <a:avLst/>
+          </a:prstGeom>
+          <a:solidFill>
+            <a:schemeClr val="accent6">
+              <a:lumMod val="40000"/>
+              <a:lumOff val="60000"/>
+            </a:schemeClr>
+          </a:solidFill>
+          <a:ln>
+            <a:noFill/>
+          </a:ln>
+        </p:spPr>
+        <p:style>
+          <a:lnRef idx="2">
+            <a:schemeClr val="accent1">
+              <a:shade val="15000"/>
+            </a:schemeClr>
+          </a:lnRef>
+          <a:fillRef idx="1">
+            <a:schemeClr val="accent1"/>
+          </a:fillRef>
+          <a:effectRef idx="0">
+            <a:schemeClr val="accent1"/>
+          </a:effectRef>
+          <a:fontRef idx="minor">
+            <a:schemeClr val="lt1"/>
+          </a:fontRef>
+        </p:style>
+        <p:txBody>
+          <a:bodyPr rtlCol="0" anchor="ctr"/>
+          <a:lstStyle/>
+          <a:p>
+            <a:pPr algn="ctr"/>
+            <a:endParaRPr kumimoji="1" lang="zh-CN" altLang="en-US" sz="2000">
+              <a:solidFill>
+                <a:schemeClr val="tx1"/>
+              </a:solidFill>
+            </a:endParaRPr>
+          </a:p>
+        </p:txBody>
+      </p:sp>
+      <p:sp>
+        <p:nvSpPr>
+          <p:cNvPr id="98" name="文本框 97">
+            <a:extLst>
+              <a:ext uri="{FF2B5EF4-FFF2-40B4-BE49-F238E27FC236}">
+                <a16:creationId xmlns:a16="http://schemas.microsoft.com/office/drawing/2014/main" id="{2AE58A59-2794-55F1-B6BF-0DF02007667F}"/>
+              </a:ext>
+            </a:extLst>
+          </p:cNvPr>
+          <p:cNvSpPr txBox="1"/>
+          <p:nvPr/>
+        </p:nvSpPr>
+        <p:spPr>
+          <a:xfrm>
+            <a:off x="3390830" y="1920295"/>
+            <a:ext cx="933269" cy="246221"/>
+          </a:xfrm>
+          <a:prstGeom prst="rect">
+            <a:avLst/>
+          </a:prstGeom>
+          <a:noFill/>
+        </p:spPr>
+        <p:txBody>
+          <a:bodyPr wrap="none" rtlCol="0">
+            <a:spAutoFit/>
+          </a:bodyPr>
+          <a:lstStyle>
+            <a:defPPr>
+              <a:defRPr lang="en-US"/>
+            </a:defPPr>
+            <a:lvl1pPr algn="r">
+              <a:defRPr kumimoji="1" sz="1100" b="1">
+                <a:latin typeface="Times New Roman" panose="02020603050405020304" pitchFamily="18" charset="0"/>
+                <a:cs typeface="Times New Roman" panose="02020603050405020304" pitchFamily="18" charset="0"/>
+              </a:defRPr>
+            </a:lvl1pPr>
+          </a:lstStyle>
+          <a:p>
+            <a:pPr algn="l"/>
+            <a:r>
+              <a:rPr lang="en-US" altLang="zh-CN" sz="1000" b="0" dirty="0" err="1"/>
+              <a:t>LightGaussian</a:t>
+            </a:r>
+            <a:endParaRPr lang="zh-CN" altLang="en-US" sz="1000" b="0" i="1" dirty="0"/>
+          </a:p>
+        </p:txBody>
+      </p:sp>
+      <p:sp>
+        <p:nvSpPr>
+          <p:cNvPr id="99" name="文本框 98">
+            <a:extLst>
+              <a:ext uri="{FF2B5EF4-FFF2-40B4-BE49-F238E27FC236}">
+                <a16:creationId xmlns:a16="http://schemas.microsoft.com/office/drawing/2014/main" id="{C18748F9-0675-F0D7-46BF-989E9C63D25B}"/>
+              </a:ext>
+            </a:extLst>
+          </p:cNvPr>
+          <p:cNvSpPr txBox="1"/>
+          <p:nvPr/>
+        </p:nvSpPr>
+        <p:spPr>
+          <a:xfrm>
+            <a:off x="3371856" y="1679223"/>
+            <a:ext cx="434734" cy="246221"/>
+          </a:xfrm>
+          <a:prstGeom prst="rect">
+            <a:avLst/>
+          </a:prstGeom>
+          <a:noFill/>
+        </p:spPr>
+        <p:txBody>
+          <a:bodyPr wrap="none" rtlCol="0">
+            <a:spAutoFit/>
+          </a:bodyPr>
+          <a:lstStyle>
+            <a:defPPr>
+              <a:defRPr lang="en-US"/>
+            </a:defPPr>
+            <a:lvl1pPr algn="r">
+              <a:defRPr kumimoji="1" sz="1100" b="1">
+                <a:latin typeface="Times New Roman" panose="02020603050405020304" pitchFamily="18" charset="0"/>
+                <a:cs typeface="Times New Roman" panose="02020603050405020304" pitchFamily="18" charset="0"/>
+              </a:defRPr>
+            </a:lvl1pPr>
+          </a:lstStyle>
+          <a:p>
+            <a:r>
+              <a:rPr lang="en-US" altLang="zh-CN" sz="1000" b="0" dirty="0"/>
+              <a:t>Ours</a:t>
+            </a:r>
+            <a:endParaRPr lang="zh-CN" altLang="en-US" sz="1000" b="0" i="1" dirty="0"/>
           </a:p>
         </p:txBody>
       </p:sp>
